--- a/SHIFT4IT/security-and-privacy/3-data-security-and-privacy.pptx
+++ b/SHIFT4IT/security-and-privacy/3-data-security-and-privacy.pptx
@@ -213,7 +213,7 @@
           <a:p>
             <a:fld id="{2C027FDF-D9AC-4497-8AF1-9347ACD4697E}" type="datetimeFigureOut">
               <a:rPr lang="hr-HR" smtClean="0"/>
-              <a:t>9.7.2025.</a:t>
+              <a:t>10.7.2025.</a:t>
             </a:fld>
             <a:endParaRPr lang="hr-HR"/>
           </a:p>
@@ -4538,7 +4538,7 @@
           <a:p>
             <a:fld id="{6963B997-549E-41F4-A1E4-B0CF42B49EF1}" type="datetimeFigureOut">
               <a:rPr lang="hr-HR" smtClean="0"/>
-              <a:t>9.7.2025.</a:t>
+              <a:t>10.7.2025.</a:t>
             </a:fld>
             <a:endParaRPr lang="hr-HR"/>
           </a:p>
@@ -6558,7 +6558,7 @@
           <a:bodyPr/>
           <a:lstStyle/>
           <a:p>
-            <a:endParaRPr lang="hr-HR"/>
+            <a:endParaRPr lang="hr-HR" dirty="0"/>
           </a:p>
         </p:txBody>
       </p:sp>

--- a/SHIFT4IT/security-and-privacy/3-data-security-and-privacy.pptx
+++ b/SHIFT4IT/security-and-privacy/3-data-security-and-privacy.pptx
@@ -213,7 +213,7 @@
           <a:p>
             <a:fld id="{2C027FDF-D9AC-4497-8AF1-9347ACD4697E}" type="datetimeFigureOut">
               <a:rPr lang="hr-HR" smtClean="0"/>
-              <a:t>10.7.2025.</a:t>
+              <a:t>11.7.2025.</a:t>
             </a:fld>
             <a:endParaRPr lang="hr-HR"/>
           </a:p>
@@ -4538,7 +4538,7 @@
           <a:p>
             <a:fld id="{6963B997-549E-41F4-A1E4-B0CF42B49EF1}" type="datetimeFigureOut">
               <a:rPr lang="hr-HR" smtClean="0"/>
-              <a:t>10.7.2025.</a:t>
+              <a:t>11.7.2025.</a:t>
             </a:fld>
             <a:endParaRPr lang="hr-HR"/>
           </a:p>
@@ -6826,7 +6826,6 @@
                   <a:schemeClr val="tx1"/>
                 </a:solidFill>
                 <a:effectLst/>
-                <a:latin typeface="Arial" panose="020B0604020202020204" pitchFamily="34" charset="0"/>
               </a:rPr>
               <a:t>Key security principles:</a:t>
             </a:r>
@@ -6838,7 +6837,6 @@
                 <a:schemeClr val="tx1"/>
               </a:solidFill>
               <a:effectLst/>
-              <a:latin typeface="Arial" panose="020B0604020202020204" pitchFamily="34" charset="0"/>
             </a:endParaRPr>
           </a:p>
           <a:p>
@@ -6864,7 +6862,6 @@
                   <a:schemeClr val="tx1"/>
                 </a:solidFill>
                 <a:effectLst/>
-                <a:latin typeface="Arial" panose="020B0604020202020204" pitchFamily="34" charset="0"/>
               </a:rPr>
               <a:t>Confidentiality:</a:t>
             </a:r>
@@ -6877,7 +6874,6 @@
                   <a:schemeClr val="tx1"/>
                 </a:solidFill>
                 <a:effectLst/>
-                <a:latin typeface="Arial" panose="020B0604020202020204" pitchFamily="34" charset="0"/>
               </a:rPr>
               <a:t> Protect data from unauthorized access (e.g., encryption).</a:t>
             </a:r>
@@ -6905,7 +6901,6 @@
                   <a:schemeClr val="tx1"/>
                 </a:solidFill>
                 <a:effectLst/>
-                <a:latin typeface="Arial" panose="020B0604020202020204" pitchFamily="34" charset="0"/>
               </a:rPr>
               <a:t>Integrity:</a:t>
             </a:r>
@@ -6918,7 +6913,6 @@
                   <a:schemeClr val="tx1"/>
                 </a:solidFill>
                 <a:effectLst/>
-                <a:latin typeface="Arial" panose="020B0604020202020204" pitchFamily="34" charset="0"/>
               </a:rPr>
               <a:t> Ensure data isn’t altered (e.g., hashing).</a:t>
             </a:r>
@@ -6946,7 +6940,6 @@
                   <a:schemeClr val="tx1"/>
                 </a:solidFill>
                 <a:effectLst/>
-                <a:latin typeface="Arial" panose="020B0604020202020204" pitchFamily="34" charset="0"/>
               </a:rPr>
               <a:t>Availability:</a:t>
             </a:r>
@@ -6959,7 +6952,6 @@
                   <a:schemeClr val="tx1"/>
                 </a:solidFill>
                 <a:effectLst/>
-                <a:latin typeface="Arial" panose="020B0604020202020204" pitchFamily="34" charset="0"/>
               </a:rPr>
               <a:t> Keep data accessible when needed.</a:t>
             </a:r>
@@ -6989,7 +6981,6 @@
                   <a:schemeClr val="tx1"/>
                 </a:solidFill>
                 <a:effectLst/>
-                <a:latin typeface="Arial" panose="020B0604020202020204" pitchFamily="34" charset="0"/>
               </a:rPr>
               <a:t>Core tools &amp; practices:</a:t>
             </a:r>
@@ -7001,7 +6992,6 @@
                 <a:schemeClr val="tx1"/>
               </a:solidFill>
               <a:effectLst/>
-              <a:latin typeface="Arial" panose="020B0604020202020204" pitchFamily="34" charset="0"/>
             </a:endParaRPr>
           </a:p>
           <a:p>
@@ -7029,7 +7019,6 @@
                   <a:schemeClr val="tx1"/>
                 </a:solidFill>
                 <a:effectLst/>
-                <a:latin typeface="Arial" panose="020B0604020202020204" pitchFamily="34" charset="0"/>
               </a:rPr>
               <a:t>Encryption:</a:t>
             </a:r>
@@ -7041,7 +7030,6 @@
                 <a:schemeClr val="tx1"/>
               </a:solidFill>
               <a:effectLst/>
-              <a:latin typeface="Arial" panose="020B0604020202020204" pitchFamily="34" charset="0"/>
             </a:endParaRPr>
           </a:p>
           <a:p>
@@ -7070,7 +7058,6 @@
                   <a:schemeClr val="tx1"/>
                 </a:solidFill>
                 <a:effectLst/>
-                <a:latin typeface="Arial" panose="020B0604020202020204" pitchFamily="34" charset="0"/>
               </a:rPr>
               <a:t>Symmetric:</a:t>
             </a:r>
@@ -7083,7 +7070,6 @@
                   <a:schemeClr val="tx1"/>
                 </a:solidFill>
                 <a:effectLst/>
-                <a:latin typeface="Arial" panose="020B0604020202020204" pitchFamily="34" charset="0"/>
               </a:rPr>
               <a:t> Same key (e.g., AES).</a:t>
             </a:r>
@@ -7114,7 +7100,6 @@
                   <a:schemeClr val="tx1"/>
                 </a:solidFill>
                 <a:effectLst/>
-                <a:latin typeface="Arial" panose="020B0604020202020204" pitchFamily="34" charset="0"/>
               </a:rPr>
               <a:t>Asymmetric:</a:t>
             </a:r>
@@ -7127,7 +7112,6 @@
                   <a:schemeClr val="tx1"/>
                 </a:solidFill>
                 <a:effectLst/>
-                <a:latin typeface="Arial" panose="020B0604020202020204" pitchFamily="34" charset="0"/>
               </a:rPr>
               <a:t> Key pairs (e.g., RSA).</a:t>
             </a:r>
@@ -7158,7 +7142,6 @@
                   <a:schemeClr val="tx1"/>
                 </a:solidFill>
                 <a:effectLst/>
-                <a:latin typeface="Arial" panose="020B0604020202020204" pitchFamily="34" charset="0"/>
               </a:rPr>
               <a:t>Hybrid:</a:t>
             </a:r>
@@ -7171,7 +7154,6 @@
                   <a:schemeClr val="tx1"/>
                 </a:solidFill>
                 <a:effectLst/>
-                <a:latin typeface="Arial" panose="020B0604020202020204" pitchFamily="34" charset="0"/>
               </a:rPr>
               <a:t> Combines both (e.g., HTTPS).</a:t>
             </a:r>
@@ -7201,7 +7183,6 @@
                   <a:schemeClr val="tx1"/>
                 </a:solidFill>
                 <a:effectLst/>
-                <a:latin typeface="Arial" panose="020B0604020202020204" pitchFamily="34" charset="0"/>
               </a:rPr>
               <a:t>Hashing:</a:t>
             </a:r>
@@ -7214,7 +7195,6 @@
                   <a:schemeClr val="tx1"/>
                 </a:solidFill>
                 <a:effectLst/>
-                <a:latin typeface="Arial" panose="020B0604020202020204" pitchFamily="34" charset="0"/>
               </a:rPr>
               <a:t> One-way checks for integrity (e.g., SHA-256).</a:t>
             </a:r>
@@ -7244,7 +7224,6 @@
                   <a:schemeClr val="tx1"/>
                 </a:solidFill>
                 <a:effectLst/>
-                <a:latin typeface="Arial" panose="020B0604020202020204" pitchFamily="34" charset="0"/>
               </a:rPr>
               <a:t>Security measures:</a:t>
             </a:r>
@@ -7257,7 +7236,6 @@
                   <a:schemeClr val="tx1"/>
                 </a:solidFill>
                 <a:effectLst/>
-                <a:latin typeface="Arial" panose="020B0604020202020204" pitchFamily="34" charset="0"/>
               </a:rPr>
               <a:t> Firewalls, IDS/IPS, antivirus, access controls, DLP.</a:t>
             </a:r>
@@ -7287,7 +7265,6 @@
                   <a:schemeClr val="tx1"/>
                 </a:solidFill>
                 <a:effectLst/>
-                <a:latin typeface="Arial" panose="020B0604020202020204" pitchFamily="34" charset="0"/>
               </a:rPr>
               <a:t>Compliance &amp; regulations:</a:t>
             </a:r>
@@ -7299,7 +7276,6 @@
                 <a:schemeClr val="tx1"/>
               </a:solidFill>
               <a:effectLst/>
-              <a:latin typeface="Arial" panose="020B0604020202020204" pitchFamily="34" charset="0"/>
             </a:endParaRPr>
           </a:p>
           <a:p>
@@ -7325,7 +7301,6 @@
                   <a:schemeClr val="tx1"/>
                 </a:solidFill>
                 <a:effectLst/>
-                <a:latin typeface="Arial" panose="020B0604020202020204" pitchFamily="34" charset="0"/>
               </a:rPr>
               <a:t>GDPR and other laws mandate data protection, impact assessments, breach notification, audits, and documented policies.</a:t>
             </a:r>
@@ -7353,7 +7328,6 @@
                   <a:schemeClr val="tx1"/>
                 </a:solidFill>
                 <a:effectLst/>
-                <a:latin typeface="Arial" panose="020B0604020202020204" pitchFamily="34" charset="0"/>
               </a:rPr>
               <a:t>Example: British Airways fined £183 million for GDPR violations.</a:t>
             </a:r>
@@ -7383,7 +7357,6 @@
                 <a:schemeClr val="tx1"/>
               </a:solidFill>
               <a:effectLst/>
-              <a:latin typeface="Arial" panose="020B0604020202020204" pitchFamily="34" charset="0"/>
             </a:endParaRPr>
           </a:p>
         </p:txBody>
